--- a/Portfolio/p01.pptx
+++ b/Portfolio/p01.pptx
@@ -9,6 +9,7 @@
     <p:sldId id="257" r:id="rId3"/>
     <p:sldId id="258" r:id="rId4"/>
     <p:sldId id="259" r:id="rId5"/>
+    <p:sldId id="260" r:id="rId6"/>
   </p:sldIdLst>
   <p:sldSz cx="12192000" cy="6858000"/>
   <p:notesSz cx="6858000" cy="9144000"/>
@@ -6104,7 +6105,12 @@
             <p:ph type="ctrTitle"/>
           </p:nvPr>
         </p:nvSpPr>
-        <p:spPr/>
+        <p:spPr>
+          <a:xfrm>
+            <a:off x="1154955" y="299223"/>
+            <a:ext cx="9327191" cy="3329581"/>
+          </a:xfrm>
+        </p:spPr>
         <p:txBody>
           <a:bodyPr/>
           <a:lstStyle/>
@@ -6221,12 +6227,17 @@
           <a:p>
             <a:r>
               <a:rPr lang="en-US" dirty="0" smtClean="0"/>
-              <a:t>Sprints van 1 </a:t>
+              <a:t>Sprints van </a:t>
             </a:r>
             <a:r>
               <a:rPr lang="en-US" dirty="0" smtClean="0"/>
-              <a:t>week</a:t>
-            </a:r>
+              <a:t>2 </a:t>
+            </a:r>
+            <a:r>
+              <a:rPr lang="en-US" dirty="0" err="1" smtClean="0"/>
+              <a:t>weken</a:t>
+            </a:r>
+            <a:endParaRPr lang="en-US" dirty="0" smtClean="0"/>
           </a:p>
           <a:p>
             <a:r>
@@ -6639,6 +6650,150 @@
     <p:extLst>
       <p:ext uri="{BB962C8B-B14F-4D97-AF65-F5344CB8AC3E}">
         <p14:creationId xmlns:p14="http://schemas.microsoft.com/office/powerpoint/2010/main" val="2615958047"/>
+      </p:ext>
+    </p:extLst>
+  </p:cSld>
+  <p:clrMapOvr>
+    <a:masterClrMapping/>
+  </p:clrMapOvr>
+</p:sld>
+</file>
+
+<file path=ppt/slides/slide5.xml><?xml version="1.0" encoding="utf-8"?>
+<p:sld xmlns:a="http://schemas.openxmlformats.org/drawingml/2006/main" xmlns:r="http://schemas.openxmlformats.org/officeDocument/2006/relationships" xmlns:p="http://schemas.openxmlformats.org/presentationml/2006/main">
+  <p:cSld>
+    <p:spTree>
+      <p:nvGrpSpPr>
+        <p:cNvPr id="1" name=""/>
+        <p:cNvGrpSpPr/>
+        <p:nvPr/>
+      </p:nvGrpSpPr>
+      <p:grpSpPr>
+        <a:xfrm>
+          <a:off x="0" y="0"/>
+          <a:ext cx="0" cy="0"/>
+          <a:chOff x="0" y="0"/>
+          <a:chExt cx="0" cy="0"/>
+        </a:xfrm>
+      </p:grpSpPr>
+      <p:sp>
+        <p:nvSpPr>
+          <p:cNvPr id="2" name="Titel 1"/>
+          <p:cNvSpPr>
+            <a:spLocks noGrp="1"/>
+          </p:cNvSpPr>
+          <p:nvPr>
+            <p:ph type="title"/>
+          </p:nvPr>
+        </p:nvSpPr>
+        <p:spPr/>
+        <p:txBody>
+          <a:bodyPr/>
+          <a:lstStyle/>
+          <a:p>
+            <a:r>
+              <a:rPr lang="en-US" dirty="0" err="1" smtClean="0"/>
+              <a:t>Neurosky</a:t>
+            </a:r>
+            <a:endParaRPr lang="en-US" dirty="0"/>
+          </a:p>
+        </p:txBody>
+      </p:sp>
+      <p:sp>
+        <p:nvSpPr>
+          <p:cNvPr id="3" name="Tijdelijke aanduiding voor inhoud 2"/>
+          <p:cNvSpPr>
+            <a:spLocks noGrp="1"/>
+          </p:cNvSpPr>
+          <p:nvPr>
+            <p:ph idx="1"/>
+          </p:nvPr>
+        </p:nvSpPr>
+        <p:spPr/>
+        <p:txBody>
+          <a:bodyPr/>
+          <a:lstStyle/>
+          <a:p>
+            <a:r>
+              <a:rPr lang="en-US" dirty="0" err="1" smtClean="0"/>
+              <a:t>Documentatie</a:t>
+            </a:r>
+            <a:r>
+              <a:rPr lang="en-US" dirty="0" smtClean="0"/>
+              <a:t> </a:t>
+            </a:r>
+            <a:r>
+              <a:rPr lang="en-US" dirty="0" err="1" smtClean="0"/>
+              <a:t>voorbeelden</a:t>
+            </a:r>
+            <a:r>
+              <a:rPr lang="en-US" dirty="0" smtClean="0"/>
+              <a:t> in C++</a:t>
+            </a:r>
+          </a:p>
+          <a:p>
+            <a:r>
+              <a:rPr lang="en-US" dirty="0" err="1" smtClean="0"/>
+              <a:t>Problemen</a:t>
+            </a:r>
+            <a:r>
+              <a:rPr lang="en-US" dirty="0" smtClean="0"/>
+              <a:t> met libraries </a:t>
+            </a:r>
+            <a:r>
+              <a:rPr lang="en-US" dirty="0" err="1" smtClean="0"/>
+              <a:t>gegeven</a:t>
+            </a:r>
+            <a:r>
+              <a:rPr lang="en-US" dirty="0" smtClean="0"/>
+              <a:t> door </a:t>
+            </a:r>
+            <a:r>
+              <a:rPr lang="en-US" dirty="0" err="1" smtClean="0"/>
+              <a:t>neurosky</a:t>
+            </a:r>
+            <a:endParaRPr lang="en-US" dirty="0" smtClean="0"/>
+          </a:p>
+          <a:p>
+            <a:r>
+              <a:rPr lang="en-US" dirty="0" err="1" smtClean="0"/>
+              <a:t>Werk</a:t>
+            </a:r>
+            <a:r>
+              <a:rPr lang="en-US" dirty="0" smtClean="0"/>
+              <a:t> nu met C# in engine </a:t>
+            </a:r>
+            <a:r>
+              <a:rPr lang="en-US" dirty="0" err="1" smtClean="0"/>
+              <a:t>MonoGame</a:t>
+            </a:r>
+            <a:endParaRPr lang="en-US" dirty="0" smtClean="0"/>
+          </a:p>
+          <a:p>
+            <a:r>
+              <a:rPr lang="en-US" dirty="0" smtClean="0"/>
+              <a:t>.NET wrapper </a:t>
+            </a:r>
+            <a:r>
+              <a:rPr lang="en-US" dirty="0" err="1" smtClean="0"/>
+              <a:t>gemaakt</a:t>
+            </a:r>
+            <a:r>
+              <a:rPr lang="en-US" dirty="0" smtClean="0"/>
+              <a:t> door </a:t>
+            </a:r>
+            <a:r>
+              <a:rPr lang="en-US" dirty="0" err="1" smtClean="0"/>
+              <a:t>Neurosky</a:t>
+            </a:r>
+            <a:endParaRPr lang="en-US" dirty="0"/>
+          </a:p>
+        </p:txBody>
+      </p:sp>
+    </p:spTree>
+    <p:extLst>
+      <p:ext uri="{BB962C8B-B14F-4D97-AF65-F5344CB8AC3E}">
+        <p14:creationId xmlns:p14="http://schemas.microsoft.com/office/powerpoint/2010/main" val="825046000"/>
       </p:ext>
     </p:extLst>
   </p:cSld>

--- a/Portfolio/p01.pptx
+++ b/Portfolio/p01.pptx
@@ -6139,8 +6139,27 @@
           <a:lstStyle/>
           <a:p>
             <a:r>
+              <a:rPr lang="en-US" dirty="0" smtClean="0"/>
+              <a:t>Koen</a:t>
+            </a:r>
+            <a:r>
+              <a:rPr lang="en-US" dirty="0"/>
+              <a:t> </a:t>
+            </a:r>
+            <a:r>
+              <a:rPr lang="en-US" smtClean="0"/>
+              <a:t>Sanderse</a:t>
+            </a:r>
+            <a:endParaRPr lang="en-US" dirty="0" smtClean="0"/>
+          </a:p>
+          <a:p>
+            <a:r>
+              <a:rPr lang="en-US" dirty="0" smtClean="0"/>
+              <a:t>Casper </a:t>
+            </a:r>
+            <a:r>
               <a:rPr lang="en-US" dirty="0" err="1" smtClean="0"/>
-              <a:t>Koen.S</a:t>
+              <a:t>Meloen</a:t>
             </a:r>
             <a:endParaRPr lang="en-US" dirty="0"/>
           </a:p>
@@ -6227,11 +6246,7 @@
           <a:p>
             <a:r>
               <a:rPr lang="en-US" dirty="0" smtClean="0"/>
-              <a:t>Sprints van </a:t>
-            </a:r>
-            <a:r>
-              <a:rPr lang="en-US" dirty="0" smtClean="0"/>
-              <a:t>2 </a:t>
+              <a:t>Sprints van 2 </a:t>
             </a:r>
             <a:r>
               <a:rPr lang="en-US" dirty="0" err="1" smtClean="0"/>

--- a/Portfolio/p01.pptx
+++ b/Portfolio/p01.pptx
@@ -6108,7 +6108,7 @@
         <p:spPr>
           <a:xfrm>
             <a:off x="1154955" y="299223"/>
-            <a:ext cx="9327191" cy="3329581"/>
+            <a:ext cx="10118928" cy="3329581"/>
           </a:xfrm>
         </p:spPr>
         <p:txBody>
@@ -6117,7 +6117,7 @@
           <a:p>
             <a:r>
               <a:rPr lang="en-US" dirty="0" err="1" smtClean="0"/>
-              <a:t>ConcentreerTraining</a:t>
+              <a:t>ConcentratieTraining</a:t>
             </a:r>
             <a:endParaRPr lang="en-US" dirty="0"/>
           </a:p>

--- a/Portfolio/p01.pptx
+++ b/Portfolio/p01.pptx
@@ -158,7 +158,7 @@
           </a:lstStyle>
           <a:p>
             <a:r>
-              <a:rPr lang="nl-NL" smtClean="0"/>
+              <a:rPr lang="nl-NL"/>
               <a:t>Klik om de stijl te bewerken</a:t>
             </a:r>
             <a:endParaRPr lang="en-US" dirty="0"/>
@@ -278,7 +278,7 @@
           </a:lstStyle>
           <a:p>
             <a:r>
-              <a:rPr lang="nl-NL" smtClean="0"/>
+              <a:rPr lang="nl-NL"/>
               <a:t>Klik om de ondertitelstijl van het model te bewerken</a:t>
             </a:r>
             <a:endParaRPr lang="en-US" dirty="0"/>
@@ -407,7 +407,7 @@
           </a:lstStyle>
           <a:p>
             <a:r>
-              <a:rPr lang="nl-NL" smtClean="0"/>
+              <a:rPr lang="nl-NL"/>
               <a:t>Klik om de stijl te bewerken</a:t>
             </a:r>
             <a:endParaRPr lang="en-US" dirty="0"/>
@@ -486,7 +486,7 @@
           </a:lstStyle>
           <a:p>
             <a:r>
-              <a:rPr lang="nl-NL" smtClean="0"/>
+              <a:rPr lang="nl-NL"/>
               <a:t>Klik op het pictogram als u een afbeelding wilt toevoegen</a:t>
             </a:r>
             <a:endParaRPr lang="en-US" dirty="0"/>
@@ -554,7 +554,7 @@
           <a:p>
             <a:pPr lvl="0"/>
             <a:r>
-              <a:rPr lang="nl-NL" smtClean="0"/>
+              <a:rPr lang="nl-NL"/>
               <a:t>Tekststijl van het model bewerken</a:t>
             </a:r>
           </a:p>
@@ -680,7 +680,7 @@
           </a:lstStyle>
           <a:p>
             <a:r>
-              <a:rPr lang="nl-NL" smtClean="0"/>
+              <a:rPr lang="nl-NL"/>
               <a:t>Klik om de stijl te bewerken</a:t>
             </a:r>
             <a:endParaRPr lang="en-US" dirty="0"/>
@@ -748,7 +748,7 @@
           <a:p>
             <a:pPr lvl="0"/>
             <a:r>
-              <a:rPr lang="nl-NL" smtClean="0"/>
+              <a:rPr lang="nl-NL"/>
               <a:t>Tekststijl van het model bewerken</a:t>
             </a:r>
           </a:p>
@@ -874,7 +874,7 @@
           </a:lstStyle>
           <a:p>
             <a:r>
-              <a:rPr lang="nl-NL" smtClean="0"/>
+              <a:rPr lang="nl-NL"/>
               <a:t>Klik om de stijl te bewerken</a:t>
             </a:r>
             <a:endParaRPr lang="en-US" dirty="0"/>
@@ -954,7 +954,7 @@
               <a:buNone/>
             </a:pPr>
             <a:r>
-              <a:rPr lang="nl-NL" smtClean="0"/>
+              <a:rPr lang="nl-NL"/>
               <a:t>Tekststijl van het model bewerken</a:t>
             </a:r>
           </a:p>
@@ -1021,7 +1021,7 @@
           <a:p>
             <a:pPr lvl="0"/>
             <a:r>
-              <a:rPr lang="nl-NL" smtClean="0"/>
+              <a:rPr lang="nl-NL"/>
               <a:t>Tekststijl van het model bewerken</a:t>
             </a:r>
           </a:p>
@@ -1241,7 +1241,7 @@
           </a:lstStyle>
           <a:p>
             <a:r>
-              <a:rPr lang="nl-NL" smtClean="0"/>
+              <a:rPr lang="nl-NL"/>
               <a:t>Klik om de stijl te bewerken</a:t>
             </a:r>
             <a:endParaRPr lang="en-US" dirty="0"/>
@@ -1362,7 +1362,7 @@
           <a:p>
             <a:pPr lvl="0"/>
             <a:r>
-              <a:rPr lang="nl-NL" smtClean="0"/>
+              <a:rPr lang="nl-NL"/>
               <a:t>Tekststijl van het model bewerken</a:t>
             </a:r>
           </a:p>
@@ -1483,7 +1483,7 @@
           </a:lstStyle>
           <a:p>
             <a:r>
-              <a:rPr lang="nl-NL" smtClean="0"/>
+              <a:rPr lang="nl-NL"/>
               <a:t>Klik om de stijl te bewerken</a:t>
             </a:r>
             <a:endParaRPr lang="en-US" dirty="0"/>
@@ -1558,7 +1558,7 @@
           <a:p>
             <a:pPr lvl="0"/>
             <a:r>
-              <a:rPr lang="nl-NL" smtClean="0"/>
+              <a:rPr lang="nl-NL"/>
               <a:t>Tekststijl van het model bewerken</a:t>
             </a:r>
           </a:p>
@@ -1625,7 +1625,7 @@
           <a:p>
             <a:pPr lvl="0"/>
             <a:r>
-              <a:rPr lang="nl-NL" smtClean="0"/>
+              <a:rPr lang="nl-NL"/>
               <a:t>Tekststijl van het model bewerken</a:t>
             </a:r>
           </a:p>
@@ -1699,7 +1699,7 @@
           <a:p>
             <a:pPr lvl="0"/>
             <a:r>
-              <a:rPr lang="nl-NL" smtClean="0"/>
+              <a:rPr lang="nl-NL"/>
               <a:t>Tekststijl van het model bewerken</a:t>
             </a:r>
           </a:p>
@@ -1766,7 +1766,7 @@
           <a:p>
             <a:pPr lvl="0"/>
             <a:r>
-              <a:rPr lang="nl-NL" smtClean="0"/>
+              <a:rPr lang="nl-NL"/>
               <a:t>Tekststijl van het model bewerken</a:t>
             </a:r>
           </a:p>
@@ -1840,7 +1840,7 @@
           <a:p>
             <a:pPr lvl="0"/>
             <a:r>
-              <a:rPr lang="nl-NL" smtClean="0"/>
+              <a:rPr lang="nl-NL"/>
               <a:t>Tekststijl van het model bewerken</a:t>
             </a:r>
           </a:p>
@@ -1907,7 +1907,7 @@
           <a:p>
             <a:pPr lvl="0"/>
             <a:r>
-              <a:rPr lang="nl-NL" smtClean="0"/>
+              <a:rPr lang="nl-NL"/>
               <a:t>Tekststijl van het model bewerken</a:t>
             </a:r>
           </a:p>
@@ -2106,7 +2106,7 @@
           </a:lstStyle>
           <a:p>
             <a:r>
-              <a:rPr lang="nl-NL" smtClean="0"/>
+              <a:rPr lang="nl-NL"/>
               <a:t>Klik om de stijl te bewerken</a:t>
             </a:r>
             <a:endParaRPr lang="en-US" dirty="0"/>
@@ -2181,7 +2181,7 @@
           <a:p>
             <a:pPr lvl="0"/>
             <a:r>
-              <a:rPr lang="nl-NL" smtClean="0"/>
+              <a:rPr lang="nl-NL"/>
               <a:t>Tekststijl van het model bewerken</a:t>
             </a:r>
           </a:p>
@@ -2259,7 +2259,7 @@
           </a:lstStyle>
           <a:p>
             <a:r>
-              <a:rPr lang="nl-NL" smtClean="0"/>
+              <a:rPr lang="nl-NL"/>
               <a:t>Klik op het pictogram als u een afbeelding wilt toevoegen</a:t>
             </a:r>
             <a:endParaRPr lang="en-US" dirty="0"/>
@@ -2327,7 +2327,7 @@
           <a:p>
             <a:pPr lvl="0"/>
             <a:r>
-              <a:rPr lang="nl-NL" smtClean="0"/>
+              <a:rPr lang="nl-NL"/>
               <a:t>Tekststijl van het model bewerken</a:t>
             </a:r>
           </a:p>
@@ -2401,7 +2401,7 @@
           <a:p>
             <a:pPr lvl="0"/>
             <a:r>
-              <a:rPr lang="nl-NL" smtClean="0"/>
+              <a:rPr lang="nl-NL"/>
               <a:t>Tekststijl van het model bewerken</a:t>
             </a:r>
           </a:p>
@@ -2479,7 +2479,7 @@
           </a:lstStyle>
           <a:p>
             <a:r>
-              <a:rPr lang="nl-NL" smtClean="0"/>
+              <a:rPr lang="nl-NL"/>
               <a:t>Klik op het pictogram als u een afbeelding wilt toevoegen</a:t>
             </a:r>
             <a:endParaRPr lang="en-US" dirty="0"/>
@@ -2547,7 +2547,7 @@
           <a:p>
             <a:pPr lvl="0"/>
             <a:r>
-              <a:rPr lang="nl-NL" smtClean="0"/>
+              <a:rPr lang="nl-NL"/>
               <a:t>Tekststijl van het model bewerken</a:t>
             </a:r>
           </a:p>
@@ -2621,7 +2621,7 @@
           <a:p>
             <a:pPr lvl="0"/>
             <a:r>
-              <a:rPr lang="nl-NL" smtClean="0"/>
+              <a:rPr lang="nl-NL"/>
               <a:t>Tekststijl van het model bewerken</a:t>
             </a:r>
           </a:p>
@@ -2699,7 +2699,7 @@
           </a:lstStyle>
           <a:p>
             <a:r>
-              <a:rPr lang="nl-NL" smtClean="0"/>
+              <a:rPr lang="nl-NL"/>
               <a:t>Klik op het pictogram als u een afbeelding wilt toevoegen</a:t>
             </a:r>
             <a:endParaRPr lang="en-US" dirty="0"/>
@@ -2767,7 +2767,7 @@
           <a:p>
             <a:pPr lvl="0"/>
             <a:r>
-              <a:rPr lang="nl-NL" smtClean="0"/>
+              <a:rPr lang="nl-NL"/>
               <a:t>Tekststijl van het model bewerken</a:t>
             </a:r>
           </a:p>
@@ -2962,7 +2962,7 @@
           <a:lstStyle/>
           <a:p>
             <a:r>
-              <a:rPr lang="nl-NL" smtClean="0"/>
+              <a:rPr lang="nl-NL"/>
               <a:t>Klik om de stijl te bewerken</a:t>
             </a:r>
             <a:endParaRPr lang="en-US" dirty="0"/>
@@ -2986,35 +2986,35 @@
           <a:p>
             <a:pPr lvl="0"/>
             <a:r>
-              <a:rPr lang="nl-NL" smtClean="0"/>
+              <a:rPr lang="nl-NL"/>
               <a:t>Tekststijl van het model bewerken</a:t>
             </a:r>
           </a:p>
           <a:p>
             <a:pPr lvl="1"/>
             <a:r>
-              <a:rPr lang="nl-NL" smtClean="0"/>
+              <a:rPr lang="nl-NL"/>
               <a:t>Tweede niveau</a:t>
             </a:r>
           </a:p>
           <a:p>
             <a:pPr lvl="2"/>
             <a:r>
-              <a:rPr lang="nl-NL" smtClean="0"/>
+              <a:rPr lang="nl-NL"/>
               <a:t>Derde niveau</a:t>
             </a:r>
           </a:p>
           <a:p>
             <a:pPr lvl="3"/>
             <a:r>
-              <a:rPr lang="nl-NL" smtClean="0"/>
+              <a:rPr lang="nl-NL"/>
               <a:t>Vierde niveau</a:t>
             </a:r>
           </a:p>
           <a:p>
             <a:pPr lvl="4"/>
             <a:r>
-              <a:rPr lang="nl-NL" smtClean="0"/>
+              <a:rPr lang="nl-NL"/>
               <a:t>Vijfde niveau</a:t>
             </a:r>
             <a:endParaRPr lang="en-US" dirty="0"/>
@@ -3137,7 +3137,7 @@
           <a:lstStyle/>
           <a:p>
             <a:r>
-              <a:rPr lang="nl-NL" smtClean="0"/>
+              <a:rPr lang="nl-NL"/>
               <a:t>Klik om de stijl te bewerken</a:t>
             </a:r>
             <a:endParaRPr lang="en-US" dirty="0"/>
@@ -3166,35 +3166,35 @@
           <a:p>
             <a:pPr lvl="0"/>
             <a:r>
-              <a:rPr lang="nl-NL" smtClean="0"/>
+              <a:rPr lang="nl-NL"/>
               <a:t>Tekststijl van het model bewerken</a:t>
             </a:r>
           </a:p>
           <a:p>
             <a:pPr lvl="1"/>
             <a:r>
-              <a:rPr lang="nl-NL" smtClean="0"/>
+              <a:rPr lang="nl-NL"/>
               <a:t>Tweede niveau</a:t>
             </a:r>
           </a:p>
           <a:p>
             <a:pPr lvl="2"/>
             <a:r>
-              <a:rPr lang="nl-NL" smtClean="0"/>
+              <a:rPr lang="nl-NL"/>
               <a:t>Derde niveau</a:t>
             </a:r>
           </a:p>
           <a:p>
             <a:pPr lvl="3"/>
             <a:r>
-              <a:rPr lang="nl-NL" smtClean="0"/>
+              <a:rPr lang="nl-NL"/>
               <a:t>Vierde niveau</a:t>
             </a:r>
           </a:p>
           <a:p>
             <a:pPr lvl="4"/>
             <a:r>
-              <a:rPr lang="nl-NL" smtClean="0"/>
+              <a:rPr lang="nl-NL"/>
               <a:t>Vijfde niveau</a:t>
             </a:r>
             <a:endParaRPr lang="en-US" dirty="0"/>
@@ -3312,7 +3312,7 @@
           <a:lstStyle/>
           <a:p>
             <a:r>
-              <a:rPr lang="nl-NL" smtClean="0"/>
+              <a:rPr lang="nl-NL"/>
               <a:t>Klik om de stijl te bewerken</a:t>
             </a:r>
             <a:endParaRPr lang="en-US" dirty="0"/>
@@ -3336,35 +3336,35 @@
           <a:p>
             <a:pPr lvl="0"/>
             <a:r>
-              <a:rPr lang="nl-NL" smtClean="0"/>
+              <a:rPr lang="nl-NL"/>
               <a:t>Tekststijl van het model bewerken</a:t>
             </a:r>
           </a:p>
           <a:p>
             <a:pPr lvl="1"/>
             <a:r>
-              <a:rPr lang="nl-NL" smtClean="0"/>
+              <a:rPr lang="nl-NL"/>
               <a:t>Tweede niveau</a:t>
             </a:r>
           </a:p>
           <a:p>
             <a:pPr lvl="2"/>
             <a:r>
-              <a:rPr lang="nl-NL" smtClean="0"/>
+              <a:rPr lang="nl-NL"/>
               <a:t>Derde niveau</a:t>
             </a:r>
           </a:p>
           <a:p>
             <a:pPr lvl="3"/>
             <a:r>
-              <a:rPr lang="nl-NL" smtClean="0"/>
+              <a:rPr lang="nl-NL"/>
               <a:t>Vierde niveau</a:t>
             </a:r>
           </a:p>
           <a:p>
             <a:pPr lvl="4"/>
             <a:r>
-              <a:rPr lang="nl-NL" smtClean="0"/>
+              <a:rPr lang="nl-NL"/>
               <a:t>Vijfde niveau</a:t>
             </a:r>
             <a:endParaRPr lang="en-US" dirty="0"/>
@@ -3491,7 +3491,7 @@
           </a:lstStyle>
           <a:p>
             <a:r>
-              <a:rPr lang="nl-NL" smtClean="0"/>
+              <a:rPr lang="nl-NL"/>
               <a:t>Klik om de stijl te bewerken</a:t>
             </a:r>
             <a:endParaRPr lang="en-US" dirty="0"/>
@@ -3612,7 +3612,7 @@
           <a:p>
             <a:pPr lvl="0"/>
             <a:r>
-              <a:rPr lang="nl-NL" smtClean="0"/>
+              <a:rPr lang="nl-NL"/>
               <a:t>Tekststijl van het model bewerken</a:t>
             </a:r>
           </a:p>
@@ -3729,7 +3729,7 @@
           <a:lstStyle/>
           <a:p>
             <a:r>
-              <a:rPr lang="nl-NL" smtClean="0"/>
+              <a:rPr lang="nl-NL"/>
               <a:t>Klik om de stijl te bewerken</a:t>
             </a:r>
             <a:endParaRPr lang="en-US" dirty="0"/>
@@ -3788,35 +3788,35 @@
           <a:p>
             <a:pPr lvl="0"/>
             <a:r>
-              <a:rPr lang="nl-NL" smtClean="0"/>
+              <a:rPr lang="nl-NL"/>
               <a:t>Tekststijl van het model bewerken</a:t>
             </a:r>
           </a:p>
           <a:p>
             <a:pPr lvl="1"/>
             <a:r>
-              <a:rPr lang="nl-NL" smtClean="0"/>
+              <a:rPr lang="nl-NL"/>
               <a:t>Tweede niveau</a:t>
             </a:r>
           </a:p>
           <a:p>
             <a:pPr lvl="2"/>
             <a:r>
-              <a:rPr lang="nl-NL" smtClean="0"/>
+              <a:rPr lang="nl-NL"/>
               <a:t>Derde niveau</a:t>
             </a:r>
           </a:p>
           <a:p>
             <a:pPr lvl="3"/>
             <a:r>
-              <a:rPr lang="nl-NL" smtClean="0"/>
+              <a:rPr lang="nl-NL"/>
               <a:t>Vierde niveau</a:t>
             </a:r>
           </a:p>
           <a:p>
             <a:pPr lvl="4"/>
             <a:r>
-              <a:rPr lang="nl-NL" smtClean="0"/>
+              <a:rPr lang="nl-NL"/>
               <a:t>Vijfde niveau</a:t>
             </a:r>
             <a:endParaRPr lang="en-US" dirty="0"/>
@@ -3875,35 +3875,35 @@
           <a:p>
             <a:pPr lvl="0"/>
             <a:r>
-              <a:rPr lang="nl-NL" smtClean="0"/>
+              <a:rPr lang="nl-NL"/>
               <a:t>Tekststijl van het model bewerken</a:t>
             </a:r>
           </a:p>
           <a:p>
             <a:pPr lvl="1"/>
             <a:r>
-              <a:rPr lang="nl-NL" smtClean="0"/>
+              <a:rPr lang="nl-NL"/>
               <a:t>Tweede niveau</a:t>
             </a:r>
           </a:p>
           <a:p>
             <a:pPr lvl="2"/>
             <a:r>
-              <a:rPr lang="nl-NL" smtClean="0"/>
+              <a:rPr lang="nl-NL"/>
               <a:t>Derde niveau</a:t>
             </a:r>
           </a:p>
           <a:p>
             <a:pPr lvl="3"/>
             <a:r>
-              <a:rPr lang="nl-NL" smtClean="0"/>
+              <a:rPr lang="nl-NL"/>
               <a:t>Vierde niveau</a:t>
             </a:r>
           </a:p>
           <a:p>
             <a:pPr lvl="4"/>
             <a:r>
-              <a:rPr lang="nl-NL" smtClean="0"/>
+              <a:rPr lang="nl-NL"/>
               <a:t>Vijfde niveau</a:t>
             </a:r>
             <a:endParaRPr lang="en-US" dirty="0"/>
@@ -4025,7 +4025,7 @@
           </a:lstStyle>
           <a:p>
             <a:r>
-              <a:rPr lang="nl-NL" smtClean="0"/>
+              <a:rPr lang="nl-NL"/>
               <a:t>Klik om de stijl te bewerken</a:t>
             </a:r>
             <a:endParaRPr lang="en-US" dirty="0"/>
@@ -4100,7 +4100,7 @@
           <a:p>
             <a:pPr lvl="0"/>
             <a:r>
-              <a:rPr lang="nl-NL" smtClean="0"/>
+              <a:rPr lang="nl-NL"/>
               <a:t>Tekststijl van het model bewerken</a:t>
             </a:r>
           </a:p>
@@ -4158,35 +4158,35 @@
           <a:p>
             <a:pPr lvl="0"/>
             <a:r>
-              <a:rPr lang="nl-NL" smtClean="0"/>
+              <a:rPr lang="nl-NL"/>
               <a:t>Tekststijl van het model bewerken</a:t>
             </a:r>
           </a:p>
           <a:p>
             <a:pPr lvl="1"/>
             <a:r>
-              <a:rPr lang="nl-NL" smtClean="0"/>
+              <a:rPr lang="nl-NL"/>
               <a:t>Tweede niveau</a:t>
             </a:r>
           </a:p>
           <a:p>
             <a:pPr lvl="2"/>
             <a:r>
-              <a:rPr lang="nl-NL" smtClean="0"/>
+              <a:rPr lang="nl-NL"/>
               <a:t>Derde niveau</a:t>
             </a:r>
           </a:p>
           <a:p>
             <a:pPr lvl="3"/>
             <a:r>
-              <a:rPr lang="nl-NL" smtClean="0"/>
+              <a:rPr lang="nl-NL"/>
               <a:t>Vierde niveau</a:t>
             </a:r>
           </a:p>
           <a:p>
             <a:pPr lvl="4"/>
             <a:r>
-              <a:rPr lang="nl-NL" smtClean="0"/>
+              <a:rPr lang="nl-NL"/>
               <a:t>Vijfde niveau</a:t>
             </a:r>
             <a:endParaRPr lang="en-US" dirty="0"/>
@@ -4261,7 +4261,7 @@
           <a:p>
             <a:pPr lvl="0"/>
             <a:r>
-              <a:rPr lang="nl-NL" smtClean="0"/>
+              <a:rPr lang="nl-NL"/>
               <a:t>Tekststijl van het model bewerken</a:t>
             </a:r>
           </a:p>
@@ -4319,35 +4319,35 @@
           <a:p>
             <a:pPr lvl="0"/>
             <a:r>
-              <a:rPr lang="nl-NL" smtClean="0"/>
+              <a:rPr lang="nl-NL"/>
               <a:t>Tekststijl van het model bewerken</a:t>
             </a:r>
           </a:p>
           <a:p>
             <a:pPr lvl="1"/>
             <a:r>
-              <a:rPr lang="nl-NL" smtClean="0"/>
+              <a:rPr lang="nl-NL"/>
               <a:t>Tweede niveau</a:t>
             </a:r>
           </a:p>
           <a:p>
             <a:pPr lvl="2"/>
             <a:r>
-              <a:rPr lang="nl-NL" smtClean="0"/>
+              <a:rPr lang="nl-NL"/>
               <a:t>Derde niveau</a:t>
             </a:r>
           </a:p>
           <a:p>
             <a:pPr lvl="3"/>
             <a:r>
-              <a:rPr lang="nl-NL" smtClean="0"/>
+              <a:rPr lang="nl-NL"/>
               <a:t>Vierde niveau</a:t>
             </a:r>
           </a:p>
           <a:p>
             <a:pPr lvl="4"/>
             <a:r>
-              <a:rPr lang="nl-NL" smtClean="0"/>
+              <a:rPr lang="nl-NL"/>
               <a:t>Vijfde niveau</a:t>
             </a:r>
             <a:endParaRPr lang="en-US" dirty="0"/>
@@ -4465,7 +4465,7 @@
           <a:lstStyle/>
           <a:p>
             <a:r>
-              <a:rPr lang="nl-NL" smtClean="0"/>
+              <a:rPr lang="nl-NL"/>
               <a:t>Klik om de stijl te bewerken</a:t>
             </a:r>
             <a:endParaRPr lang="en-US" dirty="0"/>
@@ -4687,7 +4687,7 @@
           </a:lstStyle>
           <a:p>
             <a:r>
-              <a:rPr lang="nl-NL" smtClean="0"/>
+              <a:rPr lang="nl-NL"/>
               <a:t>Klik om de stijl te bewerken</a:t>
             </a:r>
             <a:endParaRPr lang="en-US" dirty="0"/>
@@ -4746,35 +4746,35 @@
           <a:p>
             <a:pPr lvl="0"/>
             <a:r>
-              <a:rPr lang="nl-NL" smtClean="0"/>
+              <a:rPr lang="nl-NL"/>
               <a:t>Tekststijl van het model bewerken</a:t>
             </a:r>
           </a:p>
           <a:p>
             <a:pPr lvl="1"/>
             <a:r>
-              <a:rPr lang="nl-NL" smtClean="0"/>
+              <a:rPr lang="nl-NL"/>
               <a:t>Tweede niveau</a:t>
             </a:r>
           </a:p>
           <a:p>
             <a:pPr lvl="2"/>
             <a:r>
-              <a:rPr lang="nl-NL" smtClean="0"/>
+              <a:rPr lang="nl-NL"/>
               <a:t>Derde niveau</a:t>
             </a:r>
           </a:p>
           <a:p>
             <a:pPr lvl="3"/>
             <a:r>
-              <a:rPr lang="nl-NL" smtClean="0"/>
+              <a:rPr lang="nl-NL"/>
               <a:t>Vierde niveau</a:t>
             </a:r>
           </a:p>
           <a:p>
             <a:pPr lvl="4"/>
             <a:r>
-              <a:rPr lang="nl-NL" smtClean="0"/>
+              <a:rPr lang="nl-NL"/>
               <a:t>Vijfde niveau</a:t>
             </a:r>
             <a:endParaRPr lang="en-US" dirty="0"/>
@@ -4840,7 +4840,7 @@
           <a:p>
             <a:pPr lvl="0"/>
             <a:r>
-              <a:rPr lang="nl-NL" smtClean="0"/>
+              <a:rPr lang="nl-NL"/>
               <a:t>Tekststijl van het model bewerken</a:t>
             </a:r>
           </a:p>
@@ -4968,7 +4968,7 @@
           </a:lstStyle>
           <a:p>
             <a:r>
-              <a:rPr lang="nl-NL" smtClean="0"/>
+              <a:rPr lang="nl-NL"/>
               <a:t>Klik om de stijl te bewerken</a:t>
             </a:r>
             <a:endParaRPr lang="en-US" dirty="0"/>
@@ -5047,7 +5047,7 @@
           </a:lstStyle>
           <a:p>
             <a:r>
-              <a:rPr lang="nl-NL" smtClean="0"/>
+              <a:rPr lang="nl-NL"/>
               <a:t>Klik op het pictogram als u een afbeelding wilt toevoegen</a:t>
             </a:r>
             <a:endParaRPr lang="en-US" dirty="0"/>
@@ -5115,7 +5115,7 @@
           <a:p>
             <a:pPr lvl="0"/>
             <a:r>
-              <a:rPr lang="nl-NL" smtClean="0"/>
+              <a:rPr lang="nl-NL"/>
               <a:t>Tekststijl van het model bewerken</a:t>
             </a:r>
           </a:p>
@@ -5462,7 +5462,7 @@
           <a:lstStyle/>
           <a:p>
             <a:r>
-              <a:rPr lang="nl-NL" smtClean="0"/>
+              <a:rPr lang="nl-NL"/>
               <a:t>Klik om de stijl te bewerken</a:t>
             </a:r>
             <a:endParaRPr lang="en-US" dirty="0"/>
@@ -5496,35 +5496,35 @@
           <a:p>
             <a:pPr lvl="0"/>
             <a:r>
-              <a:rPr lang="nl-NL" smtClean="0"/>
+              <a:rPr lang="nl-NL"/>
               <a:t>Tekststijl van het model bewerken</a:t>
             </a:r>
           </a:p>
           <a:p>
             <a:pPr lvl="1"/>
             <a:r>
-              <a:rPr lang="nl-NL" smtClean="0"/>
+              <a:rPr lang="nl-NL"/>
               <a:t>Tweede niveau</a:t>
             </a:r>
           </a:p>
           <a:p>
             <a:pPr lvl="2"/>
             <a:r>
-              <a:rPr lang="nl-NL" smtClean="0"/>
+              <a:rPr lang="nl-NL"/>
               <a:t>Derde niveau</a:t>
             </a:r>
           </a:p>
           <a:p>
             <a:pPr lvl="3"/>
             <a:r>
-              <a:rPr lang="nl-NL" smtClean="0"/>
+              <a:rPr lang="nl-NL"/>
               <a:t>Vierde niveau</a:t>
             </a:r>
           </a:p>
           <a:p>
             <a:pPr lvl="4"/>
             <a:r>
-              <a:rPr lang="nl-NL" smtClean="0"/>
+              <a:rPr lang="nl-NL"/>
               <a:t>Vijfde niveau</a:t>
             </a:r>
             <a:endParaRPr lang="en-US" dirty="0"/>
@@ -6116,7 +6116,7 @@
           <a:lstStyle/>
           <a:p>
             <a:r>
-              <a:rPr lang="en-US" dirty="0" err="1" smtClean="0"/>
+              <a:rPr lang="en-US" dirty="0" err="1"/>
               <a:t>ConcentratieTraining</a:t>
             </a:r>
             <a:endParaRPr lang="en-US" dirty="0"/>
@@ -6139,26 +6139,22 @@
           <a:lstStyle/>
           <a:p>
             <a:r>
-              <a:rPr lang="en-US" dirty="0" smtClean="0"/>
-              <a:t>Koen</a:t>
-            </a:r>
-            <a:r>
               <a:rPr lang="en-US" dirty="0"/>
-              <a:t> </a:t>
-            </a:r>
-            <a:r>
-              <a:rPr lang="en-US" smtClean="0"/>
+              <a:t>Koen </a:t>
+            </a:r>
+            <a:r>
+              <a:rPr lang="en-US" dirty="0" err="1"/>
               <a:t>Sanderse</a:t>
             </a:r>
-            <a:endParaRPr lang="en-US" dirty="0" smtClean="0"/>
-          </a:p>
-          <a:p>
-            <a:r>
-              <a:rPr lang="en-US" dirty="0" smtClean="0"/>
+            <a:endParaRPr lang="en-US" dirty="0"/>
+          </a:p>
+          <a:p>
+            <a:r>
+              <a:rPr lang="en-US" dirty="0"/>
               <a:t>Casper </a:t>
             </a:r>
             <a:r>
-              <a:rPr lang="en-US" dirty="0" err="1" smtClean="0"/>
+              <a:rPr lang="en-US" dirty="0" err="1"/>
               <a:t>Meloen</a:t>
             </a:r>
             <a:endParaRPr lang="en-US" dirty="0"/>
@@ -6211,10 +6207,9 @@
           <a:lstStyle/>
           <a:p>
             <a:r>
-              <a:rPr lang="en-US" dirty="0" smtClean="0"/>
+              <a:rPr lang="en-US" dirty="0"/>
               <a:t>SCRUM</a:t>
             </a:r>
-            <a:endParaRPr lang="en-US" dirty="0"/>
           </a:p>
         </p:txBody>
       </p:sp>
@@ -6234,40 +6229,37 @@
           <a:lstStyle/>
           <a:p>
             <a:r>
-              <a:rPr lang="en-US" dirty="0" smtClean="0"/>
-              <a:t>Trello + </a:t>
-            </a:r>
-            <a:r>
-              <a:rPr lang="en-US" dirty="0" err="1" smtClean="0"/>
-              <a:t>Github</a:t>
-            </a:r>
-            <a:endParaRPr lang="en-US" dirty="0" smtClean="0"/>
-          </a:p>
-          <a:p>
-            <a:r>
-              <a:rPr lang="en-US" dirty="0" smtClean="0"/>
+              <a:rPr lang="en-US" dirty="0"/>
+              <a:t>Trello + Github.</a:t>
+            </a:r>
+          </a:p>
+          <a:p>
+            <a:r>
+              <a:rPr lang="en-US" dirty="0"/>
               <a:t>Sprints van 2 </a:t>
             </a:r>
             <a:r>
-              <a:rPr lang="en-US" dirty="0" err="1" smtClean="0"/>
+              <a:rPr lang="en-US" dirty="0" err="1"/>
               <a:t>weken</a:t>
             </a:r>
-            <a:endParaRPr lang="en-US" dirty="0" smtClean="0"/>
-          </a:p>
-          <a:p>
-            <a:r>
-              <a:rPr lang="en-US" dirty="0" smtClean="0"/>
+            <a:r>
+              <a:rPr lang="en-US" dirty="0"/>
+              <a:t>.</a:t>
+            </a:r>
+          </a:p>
+          <a:p>
+            <a:r>
+              <a:rPr lang="en-US" dirty="0"/>
               <a:t>Google Calendar </a:t>
             </a:r>
             <a:r>
-              <a:rPr lang="en-US" dirty="0" err="1" smtClean="0"/>
+              <a:rPr lang="en-US" dirty="0" err="1"/>
               <a:t>voor</a:t>
             </a:r>
             <a:r>
-              <a:rPr lang="en-US" dirty="0" smtClean="0"/>
-              <a:t> planning</a:t>
-            </a:r>
-            <a:endParaRPr lang="en-US" dirty="0"/>
+              <a:rPr lang="en-US" dirty="0"/>
+              <a:t> planning.</a:t>
+            </a:r>
           </a:p>
         </p:txBody>
       </p:sp>
@@ -6317,7 +6309,7 @@
           <a:lstStyle/>
           <a:p>
             <a:r>
-              <a:rPr lang="en-US" dirty="0" err="1" smtClean="0"/>
+              <a:rPr lang="en-US" dirty="0" err="1"/>
               <a:t>Onderzoek</a:t>
             </a:r>
             <a:endParaRPr lang="en-US" dirty="0"/>
@@ -6396,7 +6388,7 @@
           <a:lstStyle/>
           <a:p>
             <a:r>
-              <a:rPr lang="en-US" dirty="0" err="1" smtClean="0"/>
+              <a:rPr lang="en-US" dirty="0" err="1"/>
               <a:t>Ontwerp</a:t>
             </a:r>
             <a:endParaRPr lang="en-US" dirty="0"/>
@@ -6419,245 +6411,235 @@
           <a:lstStyle/>
           <a:p>
             <a:r>
-              <a:rPr lang="en-US" dirty="0" err="1" smtClean="0"/>
+              <a:rPr lang="en-US" dirty="0" err="1"/>
               <a:t>ConcentreerTraining</a:t>
             </a:r>
             <a:r>
-              <a:rPr lang="en-US" dirty="0" smtClean="0"/>
+              <a:rPr lang="en-US" dirty="0"/>
               <a:t> </a:t>
             </a:r>
             <a:r>
-              <a:rPr lang="en-US" dirty="0" err="1" smtClean="0"/>
+              <a:rPr lang="en-US" dirty="0" err="1"/>
               <a:t>voor</a:t>
             </a:r>
             <a:r>
-              <a:rPr lang="en-US" dirty="0" smtClean="0"/>
+              <a:rPr lang="en-US" dirty="0"/>
               <a:t> </a:t>
             </a:r>
             <a:r>
-              <a:rPr lang="en-US" dirty="0" err="1" smtClean="0"/>
+              <a:rPr lang="en-US" dirty="0" err="1"/>
               <a:t>kinderen</a:t>
             </a:r>
             <a:r>
-              <a:rPr lang="en-US" dirty="0" smtClean="0"/>
-              <a:t> met ADD/ADHD</a:t>
-            </a:r>
-          </a:p>
-          <a:p>
-            <a:r>
-              <a:rPr lang="en-US" dirty="0" smtClean="0"/>
+              <a:rPr lang="en-US" dirty="0"/>
+              <a:t> met ADD/ADHD.</a:t>
+            </a:r>
+          </a:p>
+          <a:p>
+            <a:r>
+              <a:rPr lang="en-US" dirty="0"/>
               <a:t>Door </a:t>
             </a:r>
             <a:r>
-              <a:rPr lang="en-US" dirty="0" err="1" smtClean="0"/>
+              <a:rPr lang="en-US" dirty="0" err="1"/>
               <a:t>lezen</a:t>
             </a:r>
             <a:r>
-              <a:rPr lang="en-US" dirty="0" smtClean="0"/>
+              <a:rPr lang="en-US" dirty="0"/>
               <a:t> van </a:t>
             </a:r>
             <a:r>
-              <a:rPr lang="en-US" dirty="0" err="1" smtClean="0"/>
+              <a:rPr lang="en-US" dirty="0" err="1"/>
               <a:t>verschillende</a:t>
             </a:r>
             <a:r>
-              <a:rPr lang="en-US" dirty="0" smtClean="0"/>
+              <a:rPr lang="en-US" dirty="0"/>
               <a:t> </a:t>
             </a:r>
             <a:r>
-              <a:rPr lang="en-US" dirty="0" err="1" smtClean="0"/>
+              <a:rPr lang="en-US" dirty="0" err="1"/>
               <a:t>breingolven</a:t>
             </a:r>
             <a:r>
-              <a:rPr lang="en-US" dirty="0" smtClean="0"/>
+              <a:rPr lang="en-US" dirty="0"/>
               <a:t> </a:t>
             </a:r>
             <a:r>
-              <a:rPr lang="en-US" dirty="0" err="1" smtClean="0"/>
+              <a:rPr lang="en-US" dirty="0" err="1"/>
               <a:t>en</a:t>
             </a:r>
             <a:r>
-              <a:rPr lang="en-US" dirty="0" smtClean="0"/>
+              <a:rPr lang="en-US" dirty="0"/>
               <a:t> </a:t>
             </a:r>
             <a:r>
-              <a:rPr lang="en-US" dirty="0" err="1" smtClean="0"/>
+              <a:rPr lang="en-US" dirty="0" err="1"/>
               <a:t>attentieniveau</a:t>
             </a:r>
             <a:r>
-              <a:rPr lang="en-US" dirty="0" smtClean="0"/>
+              <a:rPr lang="en-US" dirty="0"/>
               <a:t> </a:t>
             </a:r>
             <a:r>
-              <a:rPr lang="en-US" dirty="0" err="1" smtClean="0"/>
+              <a:rPr lang="en-US" dirty="0" err="1"/>
               <a:t>weten</a:t>
             </a:r>
             <a:r>
-              <a:rPr lang="en-US" dirty="0" smtClean="0"/>
+              <a:rPr lang="en-US" dirty="0"/>
+              <a:t> we </a:t>
+            </a:r>
+            <a:r>
+              <a:rPr lang="en-US" dirty="0" err="1"/>
+              <a:t>hoeveel</a:t>
+            </a:r>
+            <a:r>
+              <a:rPr lang="en-US" dirty="0"/>
+              <a:t> het kind is </a:t>
+            </a:r>
+            <a:r>
+              <a:rPr lang="en-US" dirty="0" err="1"/>
+              <a:t>verbeterdt</a:t>
+            </a:r>
+            <a:r>
+              <a:rPr lang="en-US" dirty="0"/>
+              <a:t> in </a:t>
+            </a:r>
+            <a:r>
+              <a:rPr lang="en-US" dirty="0" err="1"/>
+              <a:t>concentreren</a:t>
+            </a:r>
+            <a:r>
+              <a:rPr lang="en-US" dirty="0"/>
+              <a:t>.</a:t>
+            </a:r>
+          </a:p>
+          <a:p>
+            <a:r>
+              <a:rPr lang="en-US" dirty="0" err="1"/>
+              <a:t>Er</a:t>
+            </a:r>
+            <a:r>
+              <a:rPr lang="en-US" dirty="0"/>
               <a:t> </a:t>
             </a:r>
             <a:r>
-              <a:rPr lang="en-US" dirty="0" err="1" smtClean="0"/>
-              <a:t>hoeveel</a:t>
-            </a:r>
-            <a:r>
-              <a:rPr lang="en-US" dirty="0" smtClean="0"/>
-              <a:t> het kind is </a:t>
-            </a:r>
-            <a:r>
-              <a:rPr lang="en-US" dirty="0" err="1" smtClean="0"/>
-              <a:t>verbeterd</a:t>
-            </a:r>
-            <a:r>
-              <a:rPr lang="en-US" dirty="0" smtClean="0"/>
-              <a:t> in </a:t>
-            </a:r>
-            <a:r>
-              <a:rPr lang="en-US" dirty="0" err="1" smtClean="0"/>
+              <a:rPr lang="en-US" dirty="0" err="1"/>
+              <a:t>wordt</a:t>
+            </a:r>
+            <a:r>
+              <a:rPr lang="en-US" dirty="0"/>
+              <a:t> </a:t>
+            </a:r>
+            <a:r>
+              <a:rPr lang="en-US" dirty="0" err="1"/>
+              <a:t>een</a:t>
+            </a:r>
+            <a:r>
+              <a:rPr lang="en-US" dirty="0"/>
+              <a:t> </a:t>
+            </a:r>
+            <a:r>
+              <a:rPr lang="en-US" dirty="0" err="1"/>
+              <a:t>herhalend</a:t>
+            </a:r>
+            <a:r>
+              <a:rPr lang="en-US" dirty="0"/>
+              <a:t> </a:t>
+            </a:r>
+            <a:r>
+              <a:rPr lang="en-US" dirty="0" err="1"/>
+              <a:t>bewegend</a:t>
+            </a:r>
+            <a:r>
+              <a:rPr lang="en-US" dirty="0"/>
+              <a:t> patroon </a:t>
+            </a:r>
+            <a:r>
+              <a:rPr lang="en-US" dirty="0" err="1"/>
+              <a:t>laten</a:t>
+            </a:r>
+            <a:r>
+              <a:rPr lang="en-US" dirty="0"/>
+              <a:t> </a:t>
+            </a:r>
+            <a:r>
+              <a:rPr lang="en-US" dirty="0" err="1"/>
+              <a:t>zien</a:t>
+            </a:r>
+            <a:r>
+              <a:rPr lang="en-US" dirty="0"/>
+              <a:t>.</a:t>
+            </a:r>
+          </a:p>
+          <a:p>
+            <a:r>
+              <a:rPr lang="en-US" dirty="0"/>
+              <a:t>De </a:t>
+            </a:r>
+            <a:r>
+              <a:rPr lang="en-US" dirty="0" err="1"/>
+              <a:t>speler</a:t>
+            </a:r>
+            <a:r>
+              <a:rPr lang="en-US" dirty="0"/>
+              <a:t> </a:t>
+            </a:r>
+            <a:r>
+              <a:rPr lang="en-US" dirty="0" err="1"/>
+              <a:t>moet</a:t>
+            </a:r>
+            <a:r>
+              <a:rPr lang="en-US" dirty="0"/>
+              <a:t> door </a:t>
+            </a:r>
+            <a:r>
+              <a:rPr lang="en-US" dirty="0" err="1"/>
+              <a:t>te</a:t>
+            </a:r>
+            <a:r>
+              <a:rPr lang="en-US" dirty="0"/>
+              <a:t> </a:t>
+            </a:r>
+            <a:r>
+              <a:rPr lang="en-US" dirty="0" err="1"/>
               <a:t>concentreren</a:t>
             </a:r>
-            <a:endParaRPr lang="en-US" dirty="0" smtClean="0"/>
-          </a:p>
-          <a:p>
-            <a:r>
-              <a:rPr lang="en-US" dirty="0" err="1" smtClean="0"/>
-              <a:t>Er</a:t>
-            </a:r>
-            <a:r>
-              <a:rPr lang="en-US" dirty="0" smtClean="0"/>
+            <a:r>
+              <a:rPr lang="en-US" dirty="0"/>
               <a:t> </a:t>
             </a:r>
             <a:r>
-              <a:rPr lang="en-US" dirty="0" err="1" smtClean="0"/>
-              <a:t>wordt</a:t>
-            </a:r>
-            <a:r>
-              <a:rPr lang="en-US" dirty="0" smtClean="0"/>
+              <a:rPr lang="en-US" dirty="0" err="1"/>
+              <a:t>een</a:t>
+            </a:r>
+            <a:r>
+              <a:rPr lang="en-US" dirty="0"/>
               <a:t> </a:t>
             </a:r>
             <a:r>
-              <a:rPr lang="en-US" dirty="0" err="1" smtClean="0"/>
-              <a:t>een</a:t>
-            </a:r>
-            <a:r>
-              <a:rPr lang="en-US" dirty="0" smtClean="0"/>
+              <a:rPr lang="en-US" dirty="0" err="1"/>
+              <a:t>bewegende</a:t>
+            </a:r>
+            <a:r>
+              <a:rPr lang="en-US" dirty="0"/>
               <a:t> </a:t>
             </a:r>
             <a:r>
-              <a:rPr lang="en-US" dirty="0" err="1" smtClean="0"/>
-              <a:t>herhalend</a:t>
-            </a:r>
-            <a:r>
-              <a:rPr lang="en-US" dirty="0" smtClean="0"/>
-              <a:t> </a:t>
-            </a:r>
-            <a:r>
-              <a:rPr lang="en-US" dirty="0" err="1" smtClean="0"/>
-              <a:t>bewegend</a:t>
-            </a:r>
-            <a:r>
-              <a:rPr lang="en-US" dirty="0" smtClean="0"/>
-              <a:t> patroon </a:t>
-            </a:r>
-            <a:r>
-              <a:rPr lang="en-US" dirty="0" err="1" smtClean="0"/>
-              <a:t>laten</a:t>
-            </a:r>
-            <a:r>
-              <a:rPr lang="en-US" dirty="0" smtClean="0"/>
-              <a:t> </a:t>
-            </a:r>
-            <a:r>
-              <a:rPr lang="en-US" dirty="0" err="1" smtClean="0"/>
-              <a:t>zien</a:t>
-            </a:r>
-            <a:r>
-              <a:rPr lang="en-US" dirty="0" smtClean="0"/>
+              <a:rPr lang="en-US" dirty="0" err="1"/>
+              <a:t>bal</a:t>
+            </a:r>
+            <a:r>
+              <a:rPr lang="en-US" dirty="0"/>
+              <a:t> in het midden van het scherm </a:t>
+            </a:r>
+            <a:r>
+              <a:rPr lang="en-US" dirty="0" err="1"/>
+              <a:t>houden</a:t>
+            </a:r>
+            <a:r>
+              <a:rPr lang="en-US" dirty="0"/>
               <a:t>.</a:t>
             </a:r>
-          </a:p>
-          <a:p>
-            <a:r>
-              <a:rPr lang="en-US" dirty="0" smtClean="0"/>
-              <a:t>De </a:t>
-            </a:r>
-            <a:r>
-              <a:rPr lang="en-US" dirty="0" err="1" smtClean="0"/>
-              <a:t>speler</a:t>
-            </a:r>
-            <a:r>
-              <a:rPr lang="en-US" dirty="0" smtClean="0"/>
-              <a:t> </a:t>
-            </a:r>
-            <a:r>
-              <a:rPr lang="en-US" dirty="0" err="1" smtClean="0"/>
-              <a:t>moet</a:t>
-            </a:r>
-            <a:r>
-              <a:rPr lang="en-US" dirty="0" smtClean="0"/>
-              <a:t> door </a:t>
-            </a:r>
-            <a:r>
-              <a:rPr lang="en-US" dirty="0" err="1" smtClean="0"/>
-              <a:t>te</a:t>
-            </a:r>
-            <a:r>
-              <a:rPr lang="en-US" dirty="0" smtClean="0"/>
-              <a:t> </a:t>
-            </a:r>
-            <a:r>
-              <a:rPr lang="en-US" dirty="0" err="1" smtClean="0"/>
-              <a:t>concentreren</a:t>
-            </a:r>
-            <a:r>
-              <a:rPr lang="en-US" dirty="0" smtClean="0"/>
-              <a:t> </a:t>
-            </a:r>
-            <a:r>
-              <a:rPr lang="en-US" dirty="0" err="1" smtClean="0"/>
-              <a:t>een</a:t>
-            </a:r>
-            <a:r>
-              <a:rPr lang="en-US" dirty="0" smtClean="0"/>
-              <a:t> </a:t>
-            </a:r>
-            <a:r>
-              <a:rPr lang="en-US" dirty="0" err="1" smtClean="0"/>
-              <a:t>bewegende</a:t>
-            </a:r>
-            <a:r>
-              <a:rPr lang="en-US" dirty="0" smtClean="0"/>
-              <a:t> </a:t>
-            </a:r>
-            <a:r>
-              <a:rPr lang="en-US" dirty="0" err="1" smtClean="0"/>
-              <a:t>bal</a:t>
-            </a:r>
-            <a:r>
-              <a:rPr lang="en-US" dirty="0" smtClean="0"/>
-              <a:t> in het </a:t>
-            </a:r>
-            <a:r>
-              <a:rPr lang="en-US" dirty="0" err="1" smtClean="0"/>
-              <a:t>midden</a:t>
-            </a:r>
-            <a:r>
-              <a:rPr lang="en-US" dirty="0" smtClean="0"/>
-              <a:t> van het </a:t>
-            </a:r>
-            <a:r>
-              <a:rPr lang="en-US" dirty="0" err="1" smtClean="0"/>
-              <a:t>scherm</a:t>
-            </a:r>
-            <a:r>
-              <a:rPr lang="en-US" dirty="0" smtClean="0"/>
-              <a:t> </a:t>
-            </a:r>
-            <a:r>
-              <a:rPr lang="en-US" dirty="0" err="1" smtClean="0"/>
-              <a:t>houden</a:t>
-            </a:r>
-            <a:endParaRPr lang="en-US" dirty="0"/>
           </a:p>
         </p:txBody>
       </p:sp>
@@ -6707,7 +6689,7 @@
           <a:lstStyle/>
           <a:p>
             <a:r>
-              <a:rPr lang="en-US" dirty="0" err="1" smtClean="0"/>
+              <a:rPr lang="en-US" dirty="0" err="1"/>
               <a:t>Neurosky</a:t>
             </a:r>
             <a:endParaRPr lang="en-US" dirty="0"/>
@@ -6730,78 +6712,91 @@
           <a:lstStyle/>
           <a:p>
             <a:r>
-              <a:rPr lang="en-US" dirty="0" err="1" smtClean="0"/>
+              <a:rPr lang="en-US" dirty="0" err="1"/>
               <a:t>Documentatie</a:t>
             </a:r>
             <a:r>
-              <a:rPr lang="en-US" dirty="0" smtClean="0"/>
+              <a:rPr lang="en-US" dirty="0"/>
               <a:t> </a:t>
             </a:r>
             <a:r>
-              <a:rPr lang="en-US" dirty="0" err="1" smtClean="0"/>
+              <a:rPr lang="en-US" dirty="0" err="1"/>
               <a:t>voorbeelden</a:t>
             </a:r>
             <a:r>
-              <a:rPr lang="en-US" dirty="0" smtClean="0"/>
-              <a:t> in C++</a:t>
-            </a:r>
-          </a:p>
-          <a:p>
-            <a:r>
-              <a:rPr lang="en-US" dirty="0" err="1" smtClean="0"/>
+              <a:rPr lang="en-US" dirty="0"/>
+              <a:t> in C++.</a:t>
+            </a:r>
+          </a:p>
+          <a:p>
+            <a:r>
+              <a:rPr lang="en-US" dirty="0" err="1"/>
               <a:t>Problemen</a:t>
             </a:r>
             <a:r>
-              <a:rPr lang="en-US" dirty="0" smtClean="0"/>
+              <a:rPr lang="en-US" dirty="0"/>
               <a:t> met libraries </a:t>
             </a:r>
             <a:r>
-              <a:rPr lang="en-US" dirty="0" err="1" smtClean="0"/>
+              <a:rPr lang="en-US" dirty="0" err="1"/>
               <a:t>gegeven</a:t>
             </a:r>
             <a:r>
-              <a:rPr lang="en-US" dirty="0" smtClean="0"/>
+              <a:rPr lang="en-US" dirty="0"/>
               <a:t> door </a:t>
             </a:r>
             <a:r>
-              <a:rPr lang="en-US" dirty="0" err="1" smtClean="0"/>
+              <a:rPr lang="en-US" dirty="0" err="1"/>
               <a:t>neurosky</a:t>
             </a:r>
-            <a:endParaRPr lang="en-US" dirty="0" smtClean="0"/>
-          </a:p>
-          <a:p>
-            <a:r>
-              <a:rPr lang="en-US" dirty="0" err="1" smtClean="0"/>
-              <a:t>Werk</a:t>
-            </a:r>
-            <a:r>
-              <a:rPr lang="en-US" dirty="0" smtClean="0"/>
-              <a:t> nu met C# in engine </a:t>
-            </a:r>
-            <a:r>
-              <a:rPr lang="en-US" dirty="0" err="1" smtClean="0"/>
+            <a:r>
+              <a:rPr lang="en-US" dirty="0"/>
+              <a:t>.</a:t>
+            </a:r>
+          </a:p>
+          <a:p>
+            <a:r>
+              <a:rPr lang="en-US" dirty="0"/>
+              <a:t>We </a:t>
+            </a:r>
+            <a:r>
+              <a:rPr lang="en-US" dirty="0" err="1"/>
+              <a:t>werken</a:t>
+            </a:r>
+            <a:r>
+              <a:rPr lang="en-US" dirty="0"/>
+              <a:t> nu met C# in de engine </a:t>
+            </a:r>
+            <a:r>
+              <a:rPr lang="en-US" dirty="0" err="1"/>
               <a:t>MonoGame</a:t>
             </a:r>
-            <a:endParaRPr lang="en-US" dirty="0" smtClean="0"/>
-          </a:p>
-          <a:p>
-            <a:r>
-              <a:rPr lang="en-US" dirty="0" smtClean="0"/>
-              <a:t>.NET wrapper </a:t>
-            </a:r>
-            <a:r>
-              <a:rPr lang="en-US" dirty="0" err="1" smtClean="0"/>
+            <a:r>
+              <a:rPr lang="en-US" dirty="0"/>
+              <a:t>.</a:t>
+            </a:r>
+          </a:p>
+          <a:p>
+            <a:r>
+              <a:rPr lang="en-US" dirty="0"/>
+              <a:t>.NET wrapper is </a:t>
+            </a:r>
+            <a:r>
+              <a:rPr lang="en-US" dirty="0" err="1"/>
               <a:t>gemaakt</a:t>
             </a:r>
             <a:r>
-              <a:rPr lang="en-US" dirty="0" smtClean="0"/>
+              <a:rPr lang="en-US" dirty="0"/>
               <a:t> door </a:t>
             </a:r>
             <a:r>
-              <a:rPr lang="en-US" dirty="0" err="1" smtClean="0"/>
+              <a:rPr lang="en-US" dirty="0" err="1"/>
               <a:t>Neurosky</a:t>
             </a:r>
-            <a:endParaRPr lang="en-US" dirty="0"/>
+            <a:r>
+              <a:rPr lang="en-US" dirty="0"/>
+              <a:t>.</a:t>
+            </a:r>
           </a:p>
         </p:txBody>
       </p:sp>
